--- a/img/Data_Processing_Diagram.pptx
+++ b/img/Data_Processing_Diagram.pptx
@@ -2964,18 +2964,291 @@
           <a:chExt cx="0" cy="0"/>
         </a:xfrm>
       </p:grpSpPr>
-      <p:sp>
-        <p:nvSpPr>
-          <p:cNvPr id="4" name="Rectangle 3"/>
+      <p:grpSp>
+        <p:nvGrpSpPr>
+          <p:cNvPr id="7" name="Group 6"/>
+          <p:cNvGrpSpPr/>
+          <p:nvPr/>
+        </p:nvGrpSpPr>
+        <p:grpSpPr>
+          <a:xfrm>
+            <a:off x="775251" y="703690"/>
+            <a:ext cx="1321905" cy="1094273"/>
+            <a:chOff x="4194312" y="803082"/>
+            <a:chExt cx="1506773" cy="1097280"/>
+          </a:xfrm>
+        </p:grpSpPr>
+        <p:sp>
+          <p:nvSpPr>
+            <p:cNvPr id="4" name="Rectangle 3"/>
+            <p:cNvSpPr/>
+            <p:nvPr/>
+          </p:nvSpPr>
+          <p:spPr>
+            <a:xfrm>
+              <a:off x="4194312" y="803082"/>
+              <a:ext cx="1506773" cy="1097280"/>
+            </a:xfrm>
+            <a:prstGeom prst="rect">
+              <a:avLst/>
+            </a:prstGeom>
+          </p:spPr>
+          <p:style>
+            <a:lnRef idx="2">
+              <a:schemeClr val="accent1">
+                <a:shade val="50000"/>
+              </a:schemeClr>
+            </a:lnRef>
+            <a:fillRef idx="1">
+              <a:schemeClr val="accent1"/>
+            </a:fillRef>
+            <a:effectRef idx="0">
+              <a:schemeClr val="accent1"/>
+            </a:effectRef>
+            <a:fontRef idx="minor">
+              <a:schemeClr val="lt1"/>
+            </a:fontRef>
+          </p:style>
+          <p:txBody>
+            <a:bodyPr rtlCol="0" anchor="ctr"/>
+            <a:lstStyle/>
+            <a:p>
+              <a:pPr algn="ctr"/>
+              <a:endParaRPr lang="en-US"/>
+            </a:p>
+          </p:txBody>
+        </p:sp>
+        <p:sp>
+          <p:nvSpPr>
+            <p:cNvPr id="5" name="TextBox 4"/>
+            <p:cNvSpPr txBox="1"/>
+            <p:nvPr/>
+          </p:nvSpPr>
+          <p:spPr>
+            <a:xfrm>
+              <a:off x="4299667" y="927414"/>
+              <a:ext cx="1296062" cy="925867"/>
+            </a:xfrm>
+            <a:prstGeom prst="rect">
+              <a:avLst/>
+            </a:prstGeom>
+            <a:noFill/>
+          </p:spPr>
+          <p:txBody>
+            <a:bodyPr wrap="square" rtlCol="0">
+              <a:spAutoFit/>
+            </a:bodyPr>
+            <a:lstStyle/>
+            <a:p>
+              <a:r>
+                <a:rPr lang="en-US" dirty="0" smtClean="0"/>
+                <a:t>Original PTM Data </a:t>
+              </a:r>
+            </a:p>
+            <a:p>
+              <a:r>
+                <a:rPr lang="en-US" dirty="0" smtClean="0"/>
+                <a:t>Plex-level</a:t>
+              </a:r>
+              <a:endParaRPr lang="en-US" dirty="0" smtClean="0"/>
+            </a:p>
+          </p:txBody>
+        </p:sp>
+      </p:grpSp>
+      <p:grpSp>
+        <p:nvGrpSpPr>
+          <p:cNvPr id="8" name="Group 7"/>
+          <p:cNvGrpSpPr/>
+          <p:nvPr/>
+        </p:nvGrpSpPr>
+        <p:grpSpPr>
+          <a:xfrm>
+            <a:off x="2577546" y="703690"/>
+            <a:ext cx="1567071" cy="1094273"/>
+            <a:chOff x="4194312" y="803082"/>
+            <a:chExt cx="1506773" cy="1097280"/>
+          </a:xfrm>
+        </p:grpSpPr>
+        <p:sp>
+          <p:nvSpPr>
+            <p:cNvPr id="9" name="Rectangle 8"/>
+            <p:cNvSpPr/>
+            <p:nvPr/>
+          </p:nvSpPr>
+          <p:spPr>
+            <a:xfrm>
+              <a:off x="4194312" y="803082"/>
+              <a:ext cx="1506773" cy="1097280"/>
+            </a:xfrm>
+            <a:prstGeom prst="rect">
+              <a:avLst/>
+            </a:prstGeom>
+          </p:spPr>
+          <p:style>
+            <a:lnRef idx="2">
+              <a:schemeClr val="accent1">
+                <a:shade val="50000"/>
+              </a:schemeClr>
+            </a:lnRef>
+            <a:fillRef idx="1">
+              <a:schemeClr val="accent1"/>
+            </a:fillRef>
+            <a:effectRef idx="0">
+              <a:schemeClr val="accent1"/>
+            </a:effectRef>
+            <a:fontRef idx="minor">
+              <a:schemeClr val="lt1"/>
+            </a:fontRef>
+          </p:style>
+          <p:txBody>
+            <a:bodyPr rtlCol="0" anchor="ctr"/>
+            <a:lstStyle/>
+            <a:p>
+              <a:pPr algn="ctr"/>
+              <a:endParaRPr lang="en-US"/>
+            </a:p>
+          </p:txBody>
+        </p:sp>
+        <p:sp>
+          <p:nvSpPr>
+            <p:cNvPr id="10" name="TextBox 9"/>
+            <p:cNvSpPr txBox="1"/>
+            <p:nvPr/>
+          </p:nvSpPr>
+          <p:spPr>
+            <a:xfrm>
+              <a:off x="4299667" y="927414"/>
+              <a:ext cx="1296062" cy="925867"/>
+            </a:xfrm>
+            <a:prstGeom prst="rect">
+              <a:avLst/>
+            </a:prstGeom>
+            <a:noFill/>
+          </p:spPr>
+          <p:txBody>
+            <a:bodyPr wrap="square" rtlCol="0">
+              <a:spAutoFit/>
+            </a:bodyPr>
+            <a:lstStyle/>
+            <a:p>
+              <a:r>
+                <a:rPr lang="en-US" dirty="0" smtClean="0"/>
+                <a:t>Simplified </a:t>
+              </a:r>
+            </a:p>
+            <a:p>
+              <a:r>
+                <a:rPr lang="en-US" dirty="0" smtClean="0"/>
+                <a:t>PTM Data </a:t>
+              </a:r>
+            </a:p>
+            <a:p>
+              <a:r>
+                <a:rPr lang="en-US" dirty="0" smtClean="0"/>
+                <a:t>Plex-level</a:t>
+              </a:r>
+              <a:endParaRPr lang="en-US" dirty="0" smtClean="0"/>
+            </a:p>
+          </p:txBody>
+        </p:sp>
+      </p:grpSp>
+      <p:grpSp>
+        <p:nvGrpSpPr>
+          <p:cNvPr id="11" name="Group 10"/>
+          <p:cNvGrpSpPr/>
+          <p:nvPr/>
+        </p:nvGrpSpPr>
+        <p:grpSpPr>
+          <a:xfrm>
+            <a:off x="4638258" y="703689"/>
+            <a:ext cx="1567071" cy="1094273"/>
+            <a:chOff x="4194312" y="803082"/>
+            <a:chExt cx="1506773" cy="1097280"/>
+          </a:xfrm>
+        </p:grpSpPr>
+        <p:sp>
+          <p:nvSpPr>
+            <p:cNvPr id="12" name="Rectangle 11"/>
+            <p:cNvSpPr/>
+            <p:nvPr/>
+          </p:nvSpPr>
+          <p:spPr>
+            <a:xfrm>
+              <a:off x="4194312" y="803082"/>
+              <a:ext cx="1506773" cy="1097280"/>
+            </a:xfrm>
+            <a:prstGeom prst="rect">
+              <a:avLst/>
+            </a:prstGeom>
+          </p:spPr>
+          <p:style>
+            <a:lnRef idx="2">
+              <a:schemeClr val="accent1">
+                <a:shade val="50000"/>
+              </a:schemeClr>
+            </a:lnRef>
+            <a:fillRef idx="1">
+              <a:schemeClr val="accent1"/>
+            </a:fillRef>
+            <a:effectRef idx="0">
+              <a:schemeClr val="accent1"/>
+            </a:effectRef>
+            <a:fontRef idx="minor">
+              <a:schemeClr val="lt1"/>
+            </a:fontRef>
+          </p:style>
+          <p:txBody>
+            <a:bodyPr rtlCol="0" anchor="ctr"/>
+            <a:lstStyle/>
+            <a:p>
+              <a:pPr algn="ctr"/>
+              <a:endParaRPr lang="en-US"/>
+            </a:p>
+          </p:txBody>
+        </p:sp>
+        <p:sp>
+          <p:nvSpPr>
+            <p:cNvPr id="13" name="TextBox 12"/>
+            <p:cNvSpPr txBox="1"/>
+            <p:nvPr/>
+          </p:nvSpPr>
+          <p:spPr>
+            <a:xfrm>
+              <a:off x="4299667" y="927414"/>
+              <a:ext cx="1296062" cy="648107"/>
+            </a:xfrm>
+            <a:prstGeom prst="rect">
+              <a:avLst/>
+            </a:prstGeom>
+            <a:noFill/>
+          </p:spPr>
+          <p:txBody>
+            <a:bodyPr wrap="square" rtlCol="0">
+              <a:spAutoFit/>
+            </a:bodyPr>
+            <a:lstStyle/>
+            <a:p>
+              <a:r>
+                <a:rPr lang="en-US" dirty="0" smtClean="0"/>
+                <a:t>PTM-ratios Plex-level</a:t>
+              </a:r>
+              <a:endParaRPr lang="en-US" dirty="0"/>
+            </a:p>
+          </p:txBody>
+        </p:sp>
+      </p:grpSp>
+      <p:sp>
+        <p:nvSpPr>
+          <p:cNvPr id="16" name="Right Arrow 15"/>
           <p:cNvSpPr/>
           <p:nvPr/>
         </p:nvSpPr>
         <p:spPr>
           <a:xfrm>
-            <a:off x="4166483" y="803082"/>
-            <a:ext cx="1709531" cy="1097280"/>
+            <a:off x="2214601" y="1100501"/>
+            <a:ext cx="278295" cy="377687"/>
           </a:xfrm>
-          <a:prstGeom prst="rect">
+          <a:prstGeom prst="rightArrow">
             <a:avLst/>
           </a:prstGeom>
         </p:spPr>
@@ -3006,30 +3279,303 @@
       </p:sp>
       <p:sp>
         <p:nvSpPr>
-          <p:cNvPr id="5" name="TextBox 4"/>
-          <p:cNvSpPr txBox="1"/>
+          <p:cNvPr id="17" name="Right Arrow 16"/>
+          <p:cNvSpPr/>
           <p:nvPr/>
         </p:nvSpPr>
         <p:spPr>
           <a:xfrm>
-            <a:off x="4405023" y="1009816"/>
-            <a:ext cx="1296062" cy="369332"/>
+            <a:off x="4230755" y="1100501"/>
+            <a:ext cx="278295" cy="377687"/>
           </a:xfrm>
-          <a:prstGeom prst="rect">
+          <a:prstGeom prst="rightArrow">
             <a:avLst/>
           </a:prstGeom>
-          <a:noFill/>
         </p:spPr>
-        <p:txBody>
-          <a:bodyPr wrap="square" rtlCol="0">
-            <a:spAutoFit/>
-          </a:bodyPr>
-          <a:lstStyle/>
-          <a:p>
-            <a:r>
-              <a:rPr lang="en-US" smtClean="0"/>
-              <a:t>PTM Data</a:t>
-            </a:r>
+        <p:style>
+          <a:lnRef idx="2">
+            <a:schemeClr val="accent1">
+              <a:shade val="50000"/>
+            </a:schemeClr>
+          </a:lnRef>
+          <a:fillRef idx="1">
+            <a:schemeClr val="accent1"/>
+          </a:fillRef>
+          <a:effectRef idx="0">
+            <a:schemeClr val="accent1"/>
+          </a:effectRef>
+          <a:fontRef idx="minor">
+            <a:schemeClr val="lt1"/>
+          </a:fontRef>
+        </p:style>
+        <p:txBody>
+          <a:bodyPr rtlCol="0" anchor="ctr"/>
+          <a:lstStyle/>
+          <a:p>
+            <a:pPr algn="ctr"/>
+            <a:endParaRPr lang="en-US"/>
+          </a:p>
+        </p:txBody>
+      </p:sp>
+      <p:grpSp>
+        <p:nvGrpSpPr>
+          <p:cNvPr id="18" name="Group 17"/>
+          <p:cNvGrpSpPr/>
+          <p:nvPr/>
+        </p:nvGrpSpPr>
+        <p:grpSpPr>
+          <a:xfrm>
+            <a:off x="6629153" y="703688"/>
+            <a:ext cx="1567071" cy="1094273"/>
+            <a:chOff x="4194312" y="803082"/>
+            <a:chExt cx="1506773" cy="1097280"/>
+          </a:xfrm>
+        </p:grpSpPr>
+        <p:sp>
+          <p:nvSpPr>
+            <p:cNvPr id="19" name="Rectangle 18"/>
+            <p:cNvSpPr/>
+            <p:nvPr/>
+          </p:nvSpPr>
+          <p:spPr>
+            <a:xfrm>
+              <a:off x="4194312" y="803082"/>
+              <a:ext cx="1506773" cy="1097280"/>
+            </a:xfrm>
+            <a:prstGeom prst="rect">
+              <a:avLst/>
+            </a:prstGeom>
+          </p:spPr>
+          <p:style>
+            <a:lnRef idx="2">
+              <a:schemeClr val="accent1">
+                <a:shade val="50000"/>
+              </a:schemeClr>
+            </a:lnRef>
+            <a:fillRef idx="1">
+              <a:schemeClr val="accent1"/>
+            </a:fillRef>
+            <a:effectRef idx="0">
+              <a:schemeClr val="accent1"/>
+            </a:effectRef>
+            <a:fontRef idx="minor">
+              <a:schemeClr val="lt1"/>
+            </a:fontRef>
+          </p:style>
+          <p:txBody>
+            <a:bodyPr rtlCol="0" anchor="ctr"/>
+            <a:lstStyle/>
+            <a:p>
+              <a:pPr algn="ctr"/>
+              <a:endParaRPr lang="en-US"/>
+            </a:p>
+          </p:txBody>
+        </p:sp>
+        <p:sp>
+          <p:nvSpPr>
+            <p:cNvPr id="20" name="TextBox 19"/>
+            <p:cNvSpPr txBox="1"/>
+            <p:nvPr/>
+          </p:nvSpPr>
+          <p:spPr>
+            <a:xfrm>
+              <a:off x="4299667" y="927414"/>
+              <a:ext cx="1296062" cy="925867"/>
+            </a:xfrm>
+            <a:prstGeom prst="rect">
+              <a:avLst/>
+            </a:prstGeom>
+            <a:noFill/>
+          </p:spPr>
+          <p:txBody>
+            <a:bodyPr wrap="square" rtlCol="0">
+              <a:spAutoFit/>
+            </a:bodyPr>
+            <a:lstStyle/>
+            <a:p>
+              <a:r>
+                <a:rPr lang="en-US" dirty="0" smtClean="0"/>
+                <a:t>PTM-ratios (Combined </a:t>
+              </a:r>
+              <a:r>
+                <a:rPr lang="en-US" dirty="0" err="1" smtClean="0"/>
+                <a:t>Plexes</a:t>
+              </a:r>
+              <a:r>
+                <a:rPr lang="en-US" dirty="0"/>
+                <a:t>)</a:t>
+              </a:r>
+            </a:p>
+          </p:txBody>
+        </p:sp>
+      </p:grpSp>
+      <p:sp>
+        <p:nvSpPr>
+          <p:cNvPr id="21" name="Right Arrow 20"/>
+          <p:cNvSpPr/>
+          <p:nvPr/>
+        </p:nvSpPr>
+        <p:spPr>
+          <a:xfrm>
+            <a:off x="6270262" y="1100501"/>
+            <a:ext cx="278295" cy="377687"/>
+          </a:xfrm>
+          <a:prstGeom prst="rightArrow">
+            <a:avLst/>
+          </a:prstGeom>
+        </p:spPr>
+        <p:style>
+          <a:lnRef idx="2">
+            <a:schemeClr val="accent1">
+              <a:shade val="50000"/>
+            </a:schemeClr>
+          </a:lnRef>
+          <a:fillRef idx="1">
+            <a:schemeClr val="accent1"/>
+          </a:fillRef>
+          <a:effectRef idx="0">
+            <a:schemeClr val="accent1"/>
+          </a:effectRef>
+          <a:fontRef idx="minor">
+            <a:schemeClr val="lt1"/>
+          </a:fontRef>
+        </p:style>
+        <p:txBody>
+          <a:bodyPr rtlCol="0" anchor="ctr"/>
+          <a:lstStyle/>
+          <a:p>
+            <a:pPr algn="ctr"/>
+            <a:endParaRPr lang="en-US"/>
+          </a:p>
+        </p:txBody>
+      </p:sp>
+      <p:grpSp>
+        <p:nvGrpSpPr>
+          <p:cNvPr id="22" name="Group 21"/>
+          <p:cNvGrpSpPr/>
+          <p:nvPr/>
+        </p:nvGrpSpPr>
+        <p:grpSpPr>
+          <a:xfrm>
+            <a:off x="8580293" y="703687"/>
+            <a:ext cx="1567071" cy="1094273"/>
+            <a:chOff x="4194312" y="803082"/>
+            <a:chExt cx="1506773" cy="1097280"/>
+          </a:xfrm>
+        </p:grpSpPr>
+        <p:sp>
+          <p:nvSpPr>
+            <p:cNvPr id="23" name="Rectangle 22"/>
+            <p:cNvSpPr/>
+            <p:nvPr/>
+          </p:nvSpPr>
+          <p:spPr>
+            <a:xfrm>
+              <a:off x="4194312" y="803082"/>
+              <a:ext cx="1506773" cy="1097280"/>
+            </a:xfrm>
+            <a:prstGeom prst="rect">
+              <a:avLst/>
+            </a:prstGeom>
+          </p:spPr>
+          <p:style>
+            <a:lnRef idx="2">
+              <a:schemeClr val="accent1">
+                <a:shade val="50000"/>
+              </a:schemeClr>
+            </a:lnRef>
+            <a:fillRef idx="1">
+              <a:schemeClr val="accent1"/>
+            </a:fillRef>
+            <a:effectRef idx="0">
+              <a:schemeClr val="accent1"/>
+            </a:effectRef>
+            <a:fontRef idx="minor">
+              <a:schemeClr val="lt1"/>
+            </a:fontRef>
+          </p:style>
+          <p:txBody>
+            <a:bodyPr rtlCol="0" anchor="ctr"/>
+            <a:lstStyle/>
+            <a:p>
+              <a:pPr algn="ctr"/>
+              <a:endParaRPr lang="en-US"/>
+            </a:p>
+          </p:txBody>
+        </p:sp>
+        <p:sp>
+          <p:nvSpPr>
+            <p:cNvPr id="24" name="TextBox 23"/>
+            <p:cNvSpPr txBox="1"/>
+            <p:nvPr/>
+          </p:nvSpPr>
+          <p:spPr>
+            <a:xfrm>
+              <a:off x="4299667" y="927414"/>
+              <a:ext cx="1296062" cy="925867"/>
+            </a:xfrm>
+            <a:prstGeom prst="rect">
+              <a:avLst/>
+            </a:prstGeom>
+            <a:noFill/>
+          </p:spPr>
+          <p:txBody>
+            <a:bodyPr wrap="square" rtlCol="0">
+              <a:spAutoFit/>
+            </a:bodyPr>
+            <a:lstStyle/>
+            <a:p>
+              <a:r>
+                <a:rPr lang="en-US" dirty="0" smtClean="0"/>
+                <a:t>PTM-ratios</a:t>
+              </a:r>
+            </a:p>
+            <a:p>
+              <a:r>
+                <a:rPr lang="en-US" dirty="0" smtClean="0"/>
+                <a:t>All PTM-Types</a:t>
+              </a:r>
+              <a:endParaRPr lang="en-US" dirty="0"/>
+            </a:p>
+          </p:txBody>
+        </p:sp>
+      </p:grpSp>
+      <p:sp>
+        <p:nvSpPr>
+          <p:cNvPr id="25" name="Right Arrow 24"/>
+          <p:cNvSpPr/>
+          <p:nvPr/>
+        </p:nvSpPr>
+        <p:spPr>
+          <a:xfrm>
+            <a:off x="8249111" y="1100501"/>
+            <a:ext cx="278295" cy="377687"/>
+          </a:xfrm>
+          <a:prstGeom prst="rightArrow">
+            <a:avLst/>
+          </a:prstGeom>
+        </p:spPr>
+        <p:style>
+          <a:lnRef idx="2">
+            <a:schemeClr val="accent1">
+              <a:shade val="50000"/>
+            </a:schemeClr>
+          </a:lnRef>
+          <a:fillRef idx="1">
+            <a:schemeClr val="accent1"/>
+          </a:fillRef>
+          <a:effectRef idx="0">
+            <a:schemeClr val="accent1"/>
+          </a:effectRef>
+          <a:fontRef idx="minor">
+            <a:schemeClr val="lt1"/>
+          </a:fontRef>
+        </p:style>
+        <p:txBody>
+          <a:bodyPr rtlCol="0" anchor="ctr"/>
+          <a:lstStyle/>
+          <a:p>
+            <a:pPr algn="ctr"/>
             <a:endParaRPr lang="en-US"/>
           </a:p>
         </p:txBody>
